--- a/Rain_Check_Collective_Pitch_Deck_Enhanced.pptx
+++ b/Rain_Check_Collective_Pitch_Deck_Enhanced.pptx
@@ -3664,16 +3664,13 @@
             </a:pPr>
             <a:r>
               <a:rPr dirty="0"/>
-              <a:t>Introducing the </a:t>
+              <a:t>Introducing </a:t>
             </a:r>
             <a:r>
               <a:rPr lang="en-US" dirty="0"/>
-              <a:t>Will It Rain </a:t>
-            </a:r>
-            <a:r>
-              <a:rPr dirty="0"/>
-              <a:t>App</a:t>
-            </a:r>
+              <a:t>the Will It Rain App</a:t>
+            </a:r>
+            <a:endParaRPr dirty="0"/>
           </a:p>
         </p:txBody>
       </p:sp>
@@ -3723,7 +3720,23 @@
                   <a:srgbClr val="00205B"/>
                 </a:solidFill>
               </a:rPr>
-              <a:t>is a cross-platform app integrating NASA’s satellite data with real-time predictive models. It offers precise, localized weather forecasts and anomaly detection through an intuitive, space-inspired interface.</a:t>
+              <a:t>is a cross-platform app integrating </a:t>
+            </a:r>
+            <a:r>
+              <a:rPr lang="en-US" dirty="0">
+                <a:solidFill>
+                  <a:srgbClr val="00205B"/>
+                </a:solidFill>
+              </a:rPr>
+              <a:t>historical FAA METAR</a:t>
+            </a:r>
+            <a:r>
+              <a:rPr dirty="0">
+                <a:solidFill>
+                  <a:srgbClr val="00205B"/>
+                </a:solidFill>
+              </a:rPr>
+              <a:t> data with real-time predictive models. It offers precise, localized weather forecasts and anomaly detection through an intuitive, space-inspired interface.</a:t>
             </a:r>
           </a:p>
         </p:txBody>
